--- a/docs/Apresentação EC.pptx
+++ b/docs/Apresentação EC.pptx
@@ -208,7 +208,7 @@
           <a:p>
             <a:fld id="{BE3AC7C7-2BC0-9746-8FE8-39E22C67EF80}" type="datetimeFigureOut">
               <a:rPr lang="en-BR" smtClean="0"/>
-              <a:t>15/05/23</a:t>
+              <a:t>21/05/23</a:t>
             </a:fld>
             <a:endParaRPr lang="en-BR"/>
           </a:p>
@@ -888,7 +888,7 @@
           <a:p>
             <a:fld id="{9184DA70-C731-4C70-880D-CCD4705E623C}" type="datetime1">
               <a:rPr lang="en-US" smtClean="0"/>
-              <a:t>5/15/23</a:t>
+              <a:t>5/21/23</a:t>
             </a:fld>
             <a:endParaRPr lang="en-US" dirty="0"/>
           </a:p>
@@ -1076,7 +1076,7 @@
           <a:p>
             <a:fld id="{B612A279-0833-481D-8C56-F67FD0AC6C50}" type="datetime1">
               <a:rPr lang="en-US" smtClean="0"/>
-              <a:t>5/15/23</a:t>
+              <a:t>5/21/23</a:t>
             </a:fld>
             <a:endParaRPr lang="en-US" dirty="0"/>
           </a:p>
@@ -1318,7 +1318,7 @@
           <a:p>
             <a:fld id="{6587DA83-5663-4C9C-B9AA-0B40A3DAFF81}" type="datetime1">
               <a:rPr lang="en-US" smtClean="0"/>
-              <a:t>5/15/23</a:t>
+              <a:t>5/21/23</a:t>
             </a:fld>
             <a:endParaRPr lang="en-US" dirty="0"/>
           </a:p>
@@ -1506,7 +1506,7 @@
           <a:p>
             <a:fld id="{4BE1D723-8F53-4F53-90B0-1982A396982E}" type="datetime1">
               <a:rPr lang="en-US" smtClean="0"/>
-              <a:t>5/15/23</a:t>
+              <a:t>5/21/23</a:t>
             </a:fld>
             <a:endParaRPr lang="en-US" dirty="0"/>
           </a:p>
@@ -1879,7 +1879,7 @@
           <a:p>
             <a:fld id="{97669AF7-7BEB-44E4-9852-375E34362B5B}" type="datetime1">
               <a:rPr lang="en-US" smtClean="0"/>
-              <a:t>5/15/23</a:t>
+              <a:t>5/21/23</a:t>
             </a:fld>
             <a:endParaRPr lang="en-US" dirty="0"/>
           </a:p>
@@ -2134,7 +2134,7 @@
           <a:p>
             <a:fld id="{BAAAC38D-0552-4C82-B593-E6124DFADBE2}" type="datetime1">
               <a:rPr lang="en-US" smtClean="0"/>
-              <a:t>5/15/23</a:t>
+              <a:t>5/21/23</a:t>
             </a:fld>
             <a:endParaRPr lang="en-US" dirty="0"/>
           </a:p>
@@ -2531,7 +2531,7 @@
           <a:p>
             <a:fld id="{D9DF0F1C-5577-4ACB-BB62-DF8F3C494C7E}" type="datetime1">
               <a:rPr lang="en-US" smtClean="0"/>
-              <a:t>5/15/23</a:t>
+              <a:t>5/21/23</a:t>
             </a:fld>
             <a:endParaRPr lang="en-US" dirty="0"/>
           </a:p>
@@ -2667,7 +2667,7 @@
           <a:p>
             <a:fld id="{1775B394-D9F9-4F0C-B15D-605F45CB9E9F}" type="datetime1">
               <a:rPr lang="en-US" smtClean="0"/>
-              <a:t>5/15/23</a:t>
+              <a:t>5/21/23</a:t>
             </a:fld>
             <a:endParaRPr lang="en-US" dirty="0"/>
           </a:p>
@@ -2824,7 +2824,7 @@
           <a:p>
             <a:fld id="{39667345-2558-425A-8533-9BFDBCE15005}" type="datetime1">
               <a:rPr lang="en-US" smtClean="0"/>
-              <a:t>5/15/23</a:t>
+              <a:t>5/21/23</a:t>
             </a:fld>
             <a:endParaRPr lang="en-US" dirty="0"/>
           </a:p>
@@ -3153,7 +3153,7 @@
           <a:p>
             <a:fld id="{92BEA474-078D-4E9B-9B14-09A87B19DC46}" type="datetime1">
               <a:rPr lang="en-US" smtClean="0"/>
-              <a:t>5/15/23</a:t>
+              <a:t>5/21/23</a:t>
             </a:fld>
             <a:endParaRPr lang="en-US" dirty="0"/>
           </a:p>
@@ -3503,7 +3503,7 @@
           <a:p>
             <a:fld id="{4907D986-8816-4272-A432-0437A28A9828}" type="datetime1">
               <a:rPr lang="en-US" smtClean="0"/>
-              <a:t>5/15/23</a:t>
+              <a:t>5/21/23</a:t>
             </a:fld>
             <a:endParaRPr lang="en-US" dirty="0"/>
           </a:p>
@@ -3764,7 +3764,7 @@
           <a:p>
             <a:fld id="{62D6E202-B606-4609-B914-27C9371A1F6D}" type="datetime1">
               <a:rPr lang="en-US" smtClean="0"/>
-              <a:t>5/15/23</a:t>
+              <a:t>5/21/23</a:t>
             </a:fld>
             <a:endParaRPr lang="en-US" dirty="0"/>
           </a:p>
@@ -4930,10 +4930,10 @@
       </p:sp>
       <p:pic>
         <p:nvPicPr>
-          <p:cNvPr id="5" name="Content Placeholder 4" descr="A picture containing text, screenshot, font, number&#10;&#10;Description automatically generated">
+          <p:cNvPr id="6" name="Content Placeholder 5" descr="A picture containing text, screenshot, font, number&#10;&#10;Description automatically generated">
             <a:extLst>
               <a:ext uri="{FF2B5EF4-FFF2-40B4-BE49-F238E27FC236}">
-                <a16:creationId xmlns:a16="http://schemas.microsoft.com/office/drawing/2014/main" id="{EA451EBB-367E-D736-642B-DFADE75BD2CE}"/>
+                <a16:creationId xmlns:a16="http://schemas.microsoft.com/office/drawing/2014/main" id="{CCB1419C-9F07-7216-B2D8-1DA64E84D508}"/>
               </a:ext>
             </a:extLst>
           </p:cNvPr>
@@ -4952,12 +4952,9 @@
         </p:blipFill>
         <p:spPr>
           <a:xfrm>
-            <a:off x="2695236" y="905933"/>
-            <a:ext cx="6833531" cy="5039728"/>
+            <a:off x="2490694" y="656415"/>
+            <a:ext cx="7210612" cy="5545170"/>
           </a:xfrm>
-          <a:prstGeom prst="rect">
-            <a:avLst/>
-          </a:prstGeom>
         </p:spPr>
       </p:pic>
     </p:spTree>
@@ -5241,10 +5238,10 @@
       </p:sp>
       <p:pic>
         <p:nvPicPr>
-          <p:cNvPr id="5" name="Content Placeholder 4" descr="A picture containing text, screenshot, font, number&#10;&#10;Description automatically generated">
+          <p:cNvPr id="6" name="Content Placeholder 5" descr="A picture containing text, screenshot, font, number&#10;&#10;Description automatically generated">
             <a:extLst>
               <a:ext uri="{FF2B5EF4-FFF2-40B4-BE49-F238E27FC236}">
-                <a16:creationId xmlns:a16="http://schemas.microsoft.com/office/drawing/2014/main" id="{ED79E03F-F654-63CA-14E0-9DE23FB927B1}"/>
+                <a16:creationId xmlns:a16="http://schemas.microsoft.com/office/drawing/2014/main" id="{8F002EE4-B0EA-D53C-B6B8-E286FD2A7EF5}"/>
               </a:ext>
             </a:extLst>
           </p:cNvPr>
@@ -5263,12 +5260,9 @@
         </p:blipFill>
         <p:spPr>
           <a:xfrm>
-            <a:off x="3076020" y="905933"/>
-            <a:ext cx="6071963" cy="5039728"/>
+            <a:off x="2496015" y="609400"/>
+            <a:ext cx="7199969" cy="5639201"/>
           </a:xfrm>
-          <a:prstGeom prst="rect">
-            <a:avLst/>
-          </a:prstGeom>
         </p:spPr>
       </p:pic>
     </p:spTree>
@@ -7446,10 +7440,10 @@
       </p:sp>
       <p:pic>
         <p:nvPicPr>
-          <p:cNvPr id="5" name="Content Placeholder 4" descr="A picture containing text, post-it note, screenshot, font&#10;&#10;Description automatically generated">
+          <p:cNvPr id="6" name="Content Placeholder 5" descr="A picture containing text, post-it note, screenshot, font&#10;&#10;Description automatically generated">
             <a:extLst>
               <a:ext uri="{FF2B5EF4-FFF2-40B4-BE49-F238E27FC236}">
-                <a16:creationId xmlns:a16="http://schemas.microsoft.com/office/drawing/2014/main" id="{D1CF8C71-8077-CF31-DA8F-9DE9E3AE91B8}"/>
+                <a16:creationId xmlns:a16="http://schemas.microsoft.com/office/drawing/2014/main" id="{D4BB185D-AA10-1AEF-5F09-D828C80E2916}"/>
               </a:ext>
             </a:extLst>
           </p:cNvPr>
@@ -7468,12 +7462,9 @@
         </p:blipFill>
         <p:spPr>
           <a:xfrm>
-            <a:off x="943356" y="1229124"/>
-            <a:ext cx="10337292" cy="4393346"/>
+            <a:off x="737307" y="1150220"/>
+            <a:ext cx="10717385" cy="4557559"/>
           </a:xfrm>
-          <a:prstGeom prst="rect">
-            <a:avLst/>
-          </a:prstGeom>
         </p:spPr>
       </p:pic>
     </p:spTree>
